--- a/Marketing/Projekt Marketing.pptx
+++ b/Marketing/Projekt Marketing.pptx
@@ -17,31 +17,31 @@
   <p:notesSz cx="6858000" cy="9144000"/>
   <p:embeddedFontLst>
     <p:embeddedFont>
-      <p:font typeface="Poppins Bold" panose="020B0604020202020204" charset="0"/>
+      <p:font typeface="Canva Sans Bold" panose="020B0604020202020204" charset="0"/>
       <p:regular r:id="rId9"/>
     </p:embeddedFont>
     <p:embeddedFont>
-      <p:font typeface="Canva Sans Bold" panose="020B0604020202020204" charset="0"/>
+      <p:font typeface="Open Sans Bold" panose="020B0604020202020204" charset="0"/>
       <p:regular r:id="rId10"/>
     </p:embeddedFont>
     <p:embeddedFont>
-      <p:font typeface="Open Sans" panose="020B0604020202020204" charset="0"/>
+      <p:font typeface="Poppins Bold" panose="020B0604020202020204" charset="0"/>
       <p:regular r:id="rId11"/>
     </p:embeddedFont>
     <p:embeddedFont>
-      <p:font typeface="Calibri" panose="020F0502020204030204" pitchFamily="34" charset="0"/>
+      <p:font typeface="Open Sans" panose="020B0604020202020204" charset="0"/>
       <p:regular r:id="rId12"/>
-      <p:bold r:id="rId13"/>
-      <p:italic r:id="rId14"/>
-      <p:boldItalic r:id="rId15"/>
     </p:embeddedFont>
     <p:embeddedFont>
       <p:font typeface="Montserrat Bold" panose="020B0604020202020204" charset="0"/>
-      <p:regular r:id="rId16"/>
+      <p:regular r:id="rId13"/>
     </p:embeddedFont>
     <p:embeddedFont>
-      <p:font typeface="Open Sans Bold" panose="020B0604020202020204" charset="0"/>
-      <p:regular r:id="rId17"/>
+      <p:font typeface="Calibri" panose="020F0502020204030204" pitchFamily="34" charset="0"/>
+      <p:regular r:id="rId14"/>
+      <p:bold r:id="rId15"/>
+      <p:italic r:id="rId16"/>
+      <p:boldItalic r:id="rId17"/>
     </p:embeddedFont>
   </p:embeddedFontLst>
   <p:defaultTextStyle>
@@ -340,7 +340,7 @@
             <a:fld id="{1D8BD707-D9CF-40AE-B4C6-C98DA3205C09}" type="datetimeFigureOut">
               <a:rPr lang="en-US" smtClean="0"/>
               <a:pPr/>
-              <a:t>2/16/2025</a:t>
+              <a:t>2/18/2025</a:t>
             </a:fld>
             <a:endParaRPr lang="en-US"/>
           </a:p>
@@ -507,7 +507,7 @@
             <a:fld id="{1D8BD707-D9CF-40AE-B4C6-C98DA3205C09}" type="datetimeFigureOut">
               <a:rPr lang="en-US" smtClean="0"/>
               <a:pPr/>
-              <a:t>2/16/2025</a:t>
+              <a:t>2/18/2025</a:t>
             </a:fld>
             <a:endParaRPr lang="en-US"/>
           </a:p>
@@ -684,7 +684,7 @@
             <a:fld id="{1D8BD707-D9CF-40AE-B4C6-C98DA3205C09}" type="datetimeFigureOut">
               <a:rPr lang="en-US" smtClean="0"/>
               <a:pPr/>
-              <a:t>2/16/2025</a:t>
+              <a:t>2/18/2025</a:t>
             </a:fld>
             <a:endParaRPr lang="en-US"/>
           </a:p>
@@ -851,7 +851,7 @@
             <a:fld id="{1D8BD707-D9CF-40AE-B4C6-C98DA3205C09}" type="datetimeFigureOut">
               <a:rPr lang="en-US" smtClean="0"/>
               <a:pPr/>
-              <a:t>2/16/2025</a:t>
+              <a:t>2/18/2025</a:t>
             </a:fld>
             <a:endParaRPr lang="en-US"/>
           </a:p>
@@ -1094,7 +1094,7 @@
             <a:fld id="{1D8BD707-D9CF-40AE-B4C6-C98DA3205C09}" type="datetimeFigureOut">
               <a:rPr lang="en-US" smtClean="0"/>
               <a:pPr/>
-              <a:t>2/16/2025</a:t>
+              <a:t>2/18/2025</a:t>
             </a:fld>
             <a:endParaRPr lang="en-US"/>
           </a:p>
@@ -1379,7 +1379,7 @@
             <a:fld id="{1D8BD707-D9CF-40AE-B4C6-C98DA3205C09}" type="datetimeFigureOut">
               <a:rPr lang="en-US" smtClean="0"/>
               <a:pPr/>
-              <a:t>2/16/2025</a:t>
+              <a:t>2/18/2025</a:t>
             </a:fld>
             <a:endParaRPr lang="en-US"/>
           </a:p>
@@ -1798,7 +1798,7 @@
             <a:fld id="{1D8BD707-D9CF-40AE-B4C6-C98DA3205C09}" type="datetimeFigureOut">
               <a:rPr lang="en-US" smtClean="0"/>
               <a:pPr/>
-              <a:t>2/16/2025</a:t>
+              <a:t>2/18/2025</a:t>
             </a:fld>
             <a:endParaRPr lang="en-US"/>
           </a:p>
@@ -1913,7 +1913,7 @@
             <a:fld id="{1D8BD707-D9CF-40AE-B4C6-C98DA3205C09}" type="datetimeFigureOut">
               <a:rPr lang="en-US" smtClean="0"/>
               <a:pPr/>
-              <a:t>2/16/2025</a:t>
+              <a:t>2/18/2025</a:t>
             </a:fld>
             <a:endParaRPr lang="en-US"/>
           </a:p>
@@ -2005,7 +2005,7 @@
             <a:fld id="{1D8BD707-D9CF-40AE-B4C6-C98DA3205C09}" type="datetimeFigureOut">
               <a:rPr lang="en-US" smtClean="0"/>
               <a:pPr/>
-              <a:t>2/16/2025</a:t>
+              <a:t>2/18/2025</a:t>
             </a:fld>
             <a:endParaRPr lang="en-US"/>
           </a:p>
@@ -2279,7 +2279,7 @@
             <a:fld id="{1D8BD707-D9CF-40AE-B4C6-C98DA3205C09}" type="datetimeFigureOut">
               <a:rPr lang="en-US" smtClean="0"/>
               <a:pPr/>
-              <a:t>2/16/2025</a:t>
+              <a:t>2/18/2025</a:t>
             </a:fld>
             <a:endParaRPr lang="en-US"/>
           </a:p>
@@ -2529,7 +2529,7 @@
             <a:fld id="{1D8BD707-D9CF-40AE-B4C6-C98DA3205C09}" type="datetimeFigureOut">
               <a:rPr lang="en-US" smtClean="0"/>
               <a:pPr/>
-              <a:t>2/16/2025</a:t>
+              <a:t>2/18/2025</a:t>
             </a:fld>
             <a:endParaRPr lang="en-US"/>
           </a:p>
@@ -2739,7 +2739,7 @@
             <a:fld id="{1D8BD707-D9CF-40AE-B4C6-C98DA3205C09}" type="datetimeFigureOut">
               <a:rPr lang="en-US" smtClean="0"/>
               <a:pPr/>
-              <a:t>2/16/2025</a:t>
+              <a:t>2/18/2025</a:t>
             </a:fld>
             <a:endParaRPr lang="en-US"/>
           </a:p>
@@ -4230,13 +4230,13 @@
   <p:clrMapOvr>
     <a:masterClrMapping/>
   </p:clrMapOvr>
-  <mc:AlternateContent xmlns:mc="http://schemas.openxmlformats.org/markup-compatibility/2006">
-    <mc:Choice xmlns:p14="http://schemas.microsoft.com/office/powerpoint/2010/main" Requires="p14">
+  <mc:AlternateContent xmlns:mc="http://schemas.openxmlformats.org/markup-compatibility/2006" xmlns:p14="http://schemas.microsoft.com/office/powerpoint/2010/main">
+    <mc:Choice Requires="p14">
       <p:transition spd="slow" p14:dur="1500">
         <p:split orient="vert"/>
       </p:transition>
     </mc:Choice>
-    <mc:Fallback>
+    <mc:Fallback xmlns="">
       <p:transition spd="slow">
         <p:split orient="vert"/>
       </p:transition>
@@ -4912,7 +4912,7 @@
             <a:blip r:embed="rId3">
               <a:extLst>
                 <a:ext uri="{96DAC541-7B7A-43D3-8B79-37D633B846F1}">
-                  <asvg:svgBlip xmlns="" xmlns:asvg="http://schemas.microsoft.com/office/drawing/2016/SVG/main" r:embed="rId4"/>
+                  <asvg:svgBlip xmlns:asvg="http://schemas.microsoft.com/office/drawing/2016/SVG/main" xmlns="" r:embed="rId4"/>
                 </a:ext>
               </a:extLst>
             </a:blip>
@@ -6970,7 +6970,7 @@
         <p:spPr>
           <a:xfrm>
             <a:off x="904978" y="6954802"/>
-            <a:ext cx="5428384" cy="2228851"/>
+            <a:ext cx="5428384" cy="2282676"/>
           </a:xfrm>
           <a:prstGeom prst="rect">
             <a:avLst/>
@@ -6991,18 +6991,116 @@
               </a:spcBef>
             </a:pPr>
             <a:r>
-              <a:rPr lang="en-US" sz="2499" b="1" u="sng" strike="noStrike">
-                <a:solidFill>
-                  <a:srgbClr val="FFFFFF">
-                    <a:alpha val="80000"/>
-                  </a:srgbClr>
-                </a:solidFill>
-                <a:latin typeface="Open Sans Bold"/>
-                <a:ea typeface="Open Sans Bold"/>
-                <a:cs typeface="Open Sans Bold"/>
-                <a:sym typeface="Open Sans Bold"/>
-              </a:rPr>
-              <a:t>Niveli i të ardhurave:</a:t>
+              <a:rPr lang="en-US" sz="2499" b="1" u="sng" strike="noStrike" dirty="0" err="1">
+                <a:solidFill>
+                  <a:srgbClr val="FFFFFF">
+                    <a:alpha val="80000"/>
+                  </a:srgbClr>
+                </a:solidFill>
+                <a:latin typeface="Open Sans Bold"/>
+                <a:ea typeface="Open Sans Bold"/>
+                <a:cs typeface="Open Sans Bold"/>
+                <a:sym typeface="Open Sans Bold"/>
+              </a:rPr>
+              <a:t>Niveli</a:t>
+            </a:r>
+            <a:r>
+              <a:rPr lang="en-US" sz="2499" b="1" u="sng" strike="noStrike" dirty="0">
+                <a:solidFill>
+                  <a:srgbClr val="FFFFFF">
+                    <a:alpha val="80000"/>
+                  </a:srgbClr>
+                </a:solidFill>
+                <a:latin typeface="Open Sans Bold"/>
+                <a:ea typeface="Open Sans Bold"/>
+                <a:cs typeface="Open Sans Bold"/>
+                <a:sym typeface="Open Sans Bold"/>
+              </a:rPr>
+              <a:t> </a:t>
+            </a:r>
+            <a:r>
+              <a:rPr lang="en-US" sz="2499" b="1" u="sng" strike="noStrike" dirty="0" err="1">
+                <a:solidFill>
+                  <a:srgbClr val="FFFFFF">
+                    <a:alpha val="80000"/>
+                  </a:srgbClr>
+                </a:solidFill>
+                <a:latin typeface="Open Sans Bold"/>
+                <a:ea typeface="Open Sans Bold"/>
+                <a:cs typeface="Open Sans Bold"/>
+                <a:sym typeface="Open Sans Bold"/>
+              </a:rPr>
+              <a:t>i</a:t>
+            </a:r>
+            <a:r>
+              <a:rPr lang="en-US" sz="2499" b="1" u="sng" strike="noStrike" dirty="0">
+                <a:solidFill>
+                  <a:srgbClr val="FFFFFF">
+                    <a:alpha val="80000"/>
+                  </a:srgbClr>
+                </a:solidFill>
+                <a:latin typeface="Open Sans Bold"/>
+                <a:ea typeface="Open Sans Bold"/>
+                <a:cs typeface="Open Sans Bold"/>
+                <a:sym typeface="Open Sans Bold"/>
+              </a:rPr>
+              <a:t> </a:t>
+            </a:r>
+            <a:r>
+              <a:rPr lang="en-US" sz="2499" b="1" u="sng" strike="noStrike" dirty="0" err="1">
+                <a:solidFill>
+                  <a:srgbClr val="FFFFFF">
+                    <a:alpha val="80000"/>
+                  </a:srgbClr>
+                </a:solidFill>
+                <a:latin typeface="Open Sans Bold"/>
+                <a:ea typeface="Open Sans Bold"/>
+                <a:cs typeface="Open Sans Bold"/>
+                <a:sym typeface="Open Sans Bold"/>
+              </a:rPr>
+              <a:t>të</a:t>
+            </a:r>
+            <a:r>
+              <a:rPr lang="en-US" sz="2499" b="1" u="sng" strike="noStrike" dirty="0">
+                <a:solidFill>
+                  <a:srgbClr val="FFFFFF">
+                    <a:alpha val="80000"/>
+                  </a:srgbClr>
+                </a:solidFill>
+                <a:latin typeface="Open Sans Bold"/>
+                <a:ea typeface="Open Sans Bold"/>
+                <a:cs typeface="Open Sans Bold"/>
+                <a:sym typeface="Open Sans Bold"/>
+              </a:rPr>
+              <a:t> </a:t>
+            </a:r>
+            <a:r>
+              <a:rPr lang="en-US" sz="2499" b="1" u="sng" strike="noStrike" dirty="0" err="1">
+                <a:solidFill>
+                  <a:srgbClr val="FFFFFF">
+                    <a:alpha val="80000"/>
+                  </a:srgbClr>
+                </a:solidFill>
+                <a:latin typeface="Open Sans Bold"/>
+                <a:ea typeface="Open Sans Bold"/>
+                <a:cs typeface="Open Sans Bold"/>
+                <a:sym typeface="Open Sans Bold"/>
+              </a:rPr>
+              <a:t>ardhurave</a:t>
+            </a:r>
+            <a:r>
+              <a:rPr lang="en-US" sz="2499" b="1" u="sng" strike="noStrike" dirty="0">
+                <a:solidFill>
+                  <a:srgbClr val="FFFFFF">
+                    <a:alpha val="80000"/>
+                  </a:srgbClr>
+                </a:solidFill>
+                <a:latin typeface="Open Sans Bold"/>
+                <a:ea typeface="Open Sans Bold"/>
+                <a:cs typeface="Open Sans Bold"/>
+                <a:sym typeface="Open Sans Bold"/>
+              </a:rPr>
+              <a:t>:</a:t>
             </a:r>
           </a:p>
           <a:p>
@@ -7014,18 +7112,298 @@
               <a:buChar char="•"/>
             </a:pPr>
             <a:r>
-              <a:rPr lang="en-US" sz="1999" b="1" u="none" strike="noStrike">
-                <a:solidFill>
-                  <a:srgbClr val="FFFFFF">
-                    <a:alpha val="80000"/>
-                  </a:srgbClr>
-                </a:solidFill>
-                <a:latin typeface="Open Sans Bold"/>
-                <a:ea typeface="Open Sans Bold"/>
-                <a:cs typeface="Open Sans Bold"/>
-                <a:sym typeface="Open Sans Bold"/>
-              </a:rPr>
-              <a:t>15-19 vjeç: Buxhet i kufizuar (deri në 10,000 lekë për parfum).</a:t>
+              <a:rPr lang="en-US" sz="1999" b="1" u="none" strike="noStrike" dirty="0">
+                <a:solidFill>
+                  <a:srgbClr val="FFFFFF">
+                    <a:alpha val="80000"/>
+                  </a:srgbClr>
+                </a:solidFill>
+                <a:latin typeface="Open Sans Bold"/>
+                <a:ea typeface="Open Sans Bold"/>
+                <a:cs typeface="Open Sans Bold"/>
+                <a:sym typeface="Open Sans Bold"/>
+              </a:rPr>
+              <a:t>15-19 </a:t>
+            </a:r>
+            <a:r>
+              <a:rPr lang="en-US" sz="1999" b="1" u="none" strike="noStrike" dirty="0" err="1">
+                <a:solidFill>
+                  <a:srgbClr val="FFFFFF">
+                    <a:alpha val="80000"/>
+                  </a:srgbClr>
+                </a:solidFill>
+                <a:latin typeface="Open Sans Bold"/>
+                <a:ea typeface="Open Sans Bold"/>
+                <a:cs typeface="Open Sans Bold"/>
+                <a:sym typeface="Open Sans Bold"/>
+              </a:rPr>
+              <a:t>vjeç</a:t>
+            </a:r>
+            <a:r>
+              <a:rPr lang="en-US" sz="1999" b="1" u="none" strike="noStrike" dirty="0">
+                <a:solidFill>
+                  <a:srgbClr val="FFFFFF">
+                    <a:alpha val="80000"/>
+                  </a:srgbClr>
+                </a:solidFill>
+                <a:latin typeface="Open Sans Bold"/>
+                <a:ea typeface="Open Sans Bold"/>
+                <a:cs typeface="Open Sans Bold"/>
+                <a:sym typeface="Open Sans Bold"/>
+              </a:rPr>
+              <a:t>: </a:t>
+            </a:r>
+            <a:r>
+              <a:rPr lang="en-US" sz="1999" b="1" u="none" strike="noStrike" dirty="0" err="1">
+                <a:solidFill>
+                  <a:srgbClr val="FFFFFF">
+                    <a:alpha val="80000"/>
+                  </a:srgbClr>
+                </a:solidFill>
+                <a:latin typeface="Open Sans Bold"/>
+                <a:ea typeface="Open Sans Bold"/>
+                <a:cs typeface="Open Sans Bold"/>
+                <a:sym typeface="Open Sans Bold"/>
+              </a:rPr>
+              <a:t>Buxhet</a:t>
+            </a:r>
+            <a:r>
+              <a:rPr lang="en-US" sz="1999" b="1" u="none" strike="noStrike" dirty="0">
+                <a:solidFill>
+                  <a:srgbClr val="FFFFFF">
+                    <a:alpha val="80000"/>
+                  </a:srgbClr>
+                </a:solidFill>
+                <a:latin typeface="Open Sans Bold"/>
+                <a:ea typeface="Open Sans Bold"/>
+                <a:cs typeface="Open Sans Bold"/>
+                <a:sym typeface="Open Sans Bold"/>
+              </a:rPr>
+              <a:t> </a:t>
+            </a:r>
+            <a:r>
+              <a:rPr lang="en-US" sz="1999" b="1" u="none" strike="noStrike" dirty="0" err="1">
+                <a:solidFill>
+                  <a:srgbClr val="FFFFFF">
+                    <a:alpha val="80000"/>
+                  </a:srgbClr>
+                </a:solidFill>
+                <a:latin typeface="Open Sans Bold"/>
+                <a:ea typeface="Open Sans Bold"/>
+                <a:cs typeface="Open Sans Bold"/>
+                <a:sym typeface="Open Sans Bold"/>
+              </a:rPr>
+              <a:t>i</a:t>
+            </a:r>
+            <a:r>
+              <a:rPr lang="en-US" sz="1999" b="1" u="none" strike="noStrike" dirty="0">
+                <a:solidFill>
+                  <a:srgbClr val="FFFFFF">
+                    <a:alpha val="80000"/>
+                  </a:srgbClr>
+                </a:solidFill>
+                <a:latin typeface="Open Sans Bold"/>
+                <a:ea typeface="Open Sans Bold"/>
+                <a:cs typeface="Open Sans Bold"/>
+                <a:sym typeface="Open Sans Bold"/>
+              </a:rPr>
+              <a:t> </a:t>
+            </a:r>
+            <a:r>
+              <a:rPr lang="en-US" sz="1999" b="1" u="none" strike="noStrike" dirty="0" err="1">
+                <a:solidFill>
+                  <a:srgbClr val="FFFFFF">
+                    <a:alpha val="80000"/>
+                  </a:srgbClr>
+                </a:solidFill>
+                <a:latin typeface="Open Sans Bold"/>
+                <a:ea typeface="Open Sans Bold"/>
+                <a:cs typeface="Open Sans Bold"/>
+                <a:sym typeface="Open Sans Bold"/>
+              </a:rPr>
+              <a:t>kufizuar</a:t>
+            </a:r>
+            <a:r>
+              <a:rPr lang="en-US" sz="1999" b="1" u="none" strike="noStrike" dirty="0">
+                <a:solidFill>
+                  <a:srgbClr val="FFFFFF">
+                    <a:alpha val="80000"/>
+                  </a:srgbClr>
+                </a:solidFill>
+                <a:latin typeface="Open Sans Bold"/>
+                <a:ea typeface="Open Sans Bold"/>
+                <a:cs typeface="Open Sans Bold"/>
+                <a:sym typeface="Open Sans Bold"/>
+              </a:rPr>
+              <a:t> (</a:t>
+            </a:r>
+            <a:r>
+              <a:rPr lang="en-US" sz="1999" b="1" u="none" strike="noStrike" dirty="0" err="1">
+                <a:solidFill>
+                  <a:srgbClr val="FFFFFF">
+                    <a:alpha val="80000"/>
+                  </a:srgbClr>
+                </a:solidFill>
+                <a:latin typeface="Open Sans Bold"/>
+                <a:ea typeface="Open Sans Bold"/>
+                <a:cs typeface="Open Sans Bold"/>
+                <a:sym typeface="Open Sans Bold"/>
+              </a:rPr>
+              <a:t>deri</a:t>
+            </a:r>
+            <a:r>
+              <a:rPr lang="en-US" sz="1999" b="1" u="none" strike="noStrike" dirty="0">
+                <a:solidFill>
+                  <a:srgbClr val="FFFFFF">
+                    <a:alpha val="80000"/>
+                  </a:srgbClr>
+                </a:solidFill>
+                <a:latin typeface="Open Sans Bold"/>
+                <a:ea typeface="Open Sans Bold"/>
+                <a:cs typeface="Open Sans Bold"/>
+                <a:sym typeface="Open Sans Bold"/>
+              </a:rPr>
+              <a:t> </a:t>
+            </a:r>
+            <a:r>
+              <a:rPr lang="en-US" sz="1999" b="1" u="none" strike="noStrike" dirty="0" err="1">
+                <a:solidFill>
+                  <a:srgbClr val="FFFFFF">
+                    <a:alpha val="80000"/>
+                  </a:srgbClr>
+                </a:solidFill>
+                <a:latin typeface="Open Sans Bold"/>
+                <a:ea typeface="Open Sans Bold"/>
+                <a:cs typeface="Open Sans Bold"/>
+                <a:sym typeface="Open Sans Bold"/>
+              </a:rPr>
+              <a:t>në</a:t>
+            </a:r>
+            <a:r>
+              <a:rPr lang="en-US" sz="1999" b="1" u="none" strike="noStrike" dirty="0">
+                <a:solidFill>
+                  <a:srgbClr val="FFFFFF">
+                    <a:alpha val="80000"/>
+                  </a:srgbClr>
+                </a:solidFill>
+                <a:latin typeface="Open Sans Bold"/>
+                <a:ea typeface="Open Sans Bold"/>
+                <a:cs typeface="Open Sans Bold"/>
+                <a:sym typeface="Open Sans Bold"/>
+              </a:rPr>
+              <a:t> </a:t>
+            </a:r>
+            <a:r>
+              <a:rPr lang="en-US" sz="1999" b="1" dirty="0">
+                <a:solidFill>
+                  <a:srgbClr val="FFFFFF">
+                    <a:alpha val="80000"/>
+                  </a:srgbClr>
+                </a:solidFill>
+                <a:latin typeface="Open Sans Bold"/>
+                <a:ea typeface="Open Sans Bold"/>
+                <a:cs typeface="Open Sans Bold"/>
+                <a:sym typeface="Open Sans Bold"/>
+              </a:rPr>
+              <a:t>6</a:t>
+            </a:r>
+            <a:r>
+              <a:rPr lang="en-US" sz="1999" b="1" u="none" strike="noStrike" dirty="0" smtClean="0">
+                <a:solidFill>
+                  <a:srgbClr val="FFFFFF">
+                    <a:alpha val="80000"/>
+                  </a:srgbClr>
+                </a:solidFill>
+                <a:latin typeface="Open Sans Bold"/>
+                <a:ea typeface="Open Sans Bold"/>
+                <a:cs typeface="Open Sans Bold"/>
+                <a:sym typeface="Open Sans Bold"/>
+              </a:rPr>
+              <a:t>,000 </a:t>
+            </a:r>
+            <a:r>
+              <a:rPr lang="en-US" sz="1999" b="1" u="none" strike="noStrike" dirty="0" err="1">
+                <a:solidFill>
+                  <a:srgbClr val="FFFFFF">
+                    <a:alpha val="80000"/>
+                  </a:srgbClr>
+                </a:solidFill>
+                <a:latin typeface="Open Sans Bold"/>
+                <a:ea typeface="Open Sans Bold"/>
+                <a:cs typeface="Open Sans Bold"/>
+                <a:sym typeface="Open Sans Bold"/>
+              </a:rPr>
+              <a:t>lekë</a:t>
+            </a:r>
+            <a:r>
+              <a:rPr lang="en-US" sz="1999" b="1" u="none" strike="noStrike" dirty="0">
+                <a:solidFill>
+                  <a:srgbClr val="FFFFFF">
+                    <a:alpha val="80000"/>
+                  </a:srgbClr>
+                </a:solidFill>
+                <a:latin typeface="Open Sans Bold"/>
+                <a:ea typeface="Open Sans Bold"/>
+                <a:cs typeface="Open Sans Bold"/>
+                <a:sym typeface="Open Sans Bold"/>
+              </a:rPr>
+              <a:t> </a:t>
+            </a:r>
+            <a:r>
+              <a:rPr lang="en-US" sz="1999" b="1" u="none" strike="noStrike" dirty="0" err="1">
+                <a:solidFill>
+                  <a:srgbClr val="FFFFFF">
+                    <a:alpha val="80000"/>
+                  </a:srgbClr>
+                </a:solidFill>
+                <a:latin typeface="Open Sans Bold"/>
+                <a:ea typeface="Open Sans Bold"/>
+                <a:cs typeface="Open Sans Bold"/>
+                <a:sym typeface="Open Sans Bold"/>
+              </a:rPr>
+              <a:t>për</a:t>
+            </a:r>
+            <a:r>
+              <a:rPr lang="en-US" sz="1999" b="1" u="none" strike="noStrike" dirty="0">
+                <a:solidFill>
+                  <a:srgbClr val="FFFFFF">
+                    <a:alpha val="80000"/>
+                  </a:srgbClr>
+                </a:solidFill>
+                <a:latin typeface="Open Sans Bold"/>
+                <a:ea typeface="Open Sans Bold"/>
+                <a:cs typeface="Open Sans Bold"/>
+                <a:sym typeface="Open Sans Bold"/>
+              </a:rPr>
+              <a:t> </a:t>
+            </a:r>
+            <a:r>
+              <a:rPr lang="en-US" sz="1999" b="1" u="none" strike="noStrike" dirty="0" err="1">
+                <a:solidFill>
+                  <a:srgbClr val="FFFFFF">
+                    <a:alpha val="80000"/>
+                  </a:srgbClr>
+                </a:solidFill>
+                <a:latin typeface="Open Sans Bold"/>
+                <a:ea typeface="Open Sans Bold"/>
+                <a:cs typeface="Open Sans Bold"/>
+                <a:sym typeface="Open Sans Bold"/>
+              </a:rPr>
+              <a:t>parfum</a:t>
+            </a:r>
+            <a:r>
+              <a:rPr lang="en-US" sz="1999" b="1" u="none" strike="noStrike" dirty="0">
+                <a:solidFill>
+                  <a:srgbClr val="FFFFFF">
+                    <a:alpha val="80000"/>
+                  </a:srgbClr>
+                </a:solidFill>
+                <a:latin typeface="Open Sans Bold"/>
+                <a:ea typeface="Open Sans Bold"/>
+                <a:cs typeface="Open Sans Bold"/>
+                <a:sym typeface="Open Sans Bold"/>
+              </a:rPr>
+              <a:t>).</a:t>
             </a:r>
           </a:p>
           <a:p>
@@ -7037,18 +7415,326 @@
               <a:buChar char="•"/>
             </a:pPr>
             <a:r>
-              <a:rPr lang="en-US" sz="1999" b="1" u="none" strike="noStrike">
-                <a:solidFill>
-                  <a:srgbClr val="FFFFFF">
-                    <a:alpha val="80000"/>
-                  </a:srgbClr>
-                </a:solidFill>
-                <a:latin typeface="Open Sans Bold"/>
-                <a:ea typeface="Open Sans Bold"/>
-                <a:cs typeface="Open Sans Bold"/>
-                <a:sym typeface="Open Sans Bold"/>
-              </a:rPr>
-              <a:t>20-35 vjeç: Të gatshëm të investojnë deri në 25,000 lekë për marka cilësore.</a:t>
+              <a:rPr lang="en-US" sz="1999" b="1" u="none" strike="noStrike" dirty="0">
+                <a:solidFill>
+                  <a:srgbClr val="FFFFFF">
+                    <a:alpha val="80000"/>
+                  </a:srgbClr>
+                </a:solidFill>
+                <a:latin typeface="Open Sans Bold"/>
+                <a:ea typeface="Open Sans Bold"/>
+                <a:cs typeface="Open Sans Bold"/>
+                <a:sym typeface="Open Sans Bold"/>
+              </a:rPr>
+              <a:t>20-35 </a:t>
+            </a:r>
+            <a:r>
+              <a:rPr lang="en-US" sz="1999" b="1" u="none" strike="noStrike" dirty="0" err="1">
+                <a:solidFill>
+                  <a:srgbClr val="FFFFFF">
+                    <a:alpha val="80000"/>
+                  </a:srgbClr>
+                </a:solidFill>
+                <a:latin typeface="Open Sans Bold"/>
+                <a:ea typeface="Open Sans Bold"/>
+                <a:cs typeface="Open Sans Bold"/>
+                <a:sym typeface="Open Sans Bold"/>
+              </a:rPr>
+              <a:t>vjeç</a:t>
+            </a:r>
+            <a:r>
+              <a:rPr lang="en-US" sz="1999" b="1" u="none" strike="noStrike" dirty="0">
+                <a:solidFill>
+                  <a:srgbClr val="FFFFFF">
+                    <a:alpha val="80000"/>
+                  </a:srgbClr>
+                </a:solidFill>
+                <a:latin typeface="Open Sans Bold"/>
+                <a:ea typeface="Open Sans Bold"/>
+                <a:cs typeface="Open Sans Bold"/>
+                <a:sym typeface="Open Sans Bold"/>
+              </a:rPr>
+              <a:t>: </a:t>
+            </a:r>
+            <a:r>
+              <a:rPr lang="en-US" sz="1999" b="1" u="none" strike="noStrike" dirty="0" err="1">
+                <a:solidFill>
+                  <a:srgbClr val="FFFFFF">
+                    <a:alpha val="80000"/>
+                  </a:srgbClr>
+                </a:solidFill>
+                <a:latin typeface="Open Sans Bold"/>
+                <a:ea typeface="Open Sans Bold"/>
+                <a:cs typeface="Open Sans Bold"/>
+                <a:sym typeface="Open Sans Bold"/>
+              </a:rPr>
+              <a:t>Të</a:t>
+            </a:r>
+            <a:r>
+              <a:rPr lang="en-US" sz="1999" b="1" u="none" strike="noStrike" dirty="0">
+                <a:solidFill>
+                  <a:srgbClr val="FFFFFF">
+                    <a:alpha val="80000"/>
+                  </a:srgbClr>
+                </a:solidFill>
+                <a:latin typeface="Open Sans Bold"/>
+                <a:ea typeface="Open Sans Bold"/>
+                <a:cs typeface="Open Sans Bold"/>
+                <a:sym typeface="Open Sans Bold"/>
+              </a:rPr>
+              <a:t> </a:t>
+            </a:r>
+            <a:r>
+              <a:rPr lang="en-US" sz="1999" b="1" u="none" strike="noStrike" dirty="0" err="1">
+                <a:solidFill>
+                  <a:srgbClr val="FFFFFF">
+                    <a:alpha val="80000"/>
+                  </a:srgbClr>
+                </a:solidFill>
+                <a:latin typeface="Open Sans Bold"/>
+                <a:ea typeface="Open Sans Bold"/>
+                <a:cs typeface="Open Sans Bold"/>
+                <a:sym typeface="Open Sans Bold"/>
+              </a:rPr>
+              <a:t>gatshëm</a:t>
+            </a:r>
+            <a:r>
+              <a:rPr lang="en-US" sz="1999" b="1" u="none" strike="noStrike" dirty="0">
+                <a:solidFill>
+                  <a:srgbClr val="FFFFFF">
+                    <a:alpha val="80000"/>
+                  </a:srgbClr>
+                </a:solidFill>
+                <a:latin typeface="Open Sans Bold"/>
+                <a:ea typeface="Open Sans Bold"/>
+                <a:cs typeface="Open Sans Bold"/>
+                <a:sym typeface="Open Sans Bold"/>
+              </a:rPr>
+              <a:t> </a:t>
+            </a:r>
+            <a:r>
+              <a:rPr lang="en-US" sz="1999" b="1" u="none" strike="noStrike" dirty="0" err="1">
+                <a:solidFill>
+                  <a:srgbClr val="FFFFFF">
+                    <a:alpha val="80000"/>
+                  </a:srgbClr>
+                </a:solidFill>
+                <a:latin typeface="Open Sans Bold"/>
+                <a:ea typeface="Open Sans Bold"/>
+                <a:cs typeface="Open Sans Bold"/>
+                <a:sym typeface="Open Sans Bold"/>
+              </a:rPr>
+              <a:t>të</a:t>
+            </a:r>
+            <a:r>
+              <a:rPr lang="en-US" sz="1999" b="1" u="none" strike="noStrike" dirty="0">
+                <a:solidFill>
+                  <a:srgbClr val="FFFFFF">
+                    <a:alpha val="80000"/>
+                  </a:srgbClr>
+                </a:solidFill>
+                <a:latin typeface="Open Sans Bold"/>
+                <a:ea typeface="Open Sans Bold"/>
+                <a:cs typeface="Open Sans Bold"/>
+                <a:sym typeface="Open Sans Bold"/>
+              </a:rPr>
+              <a:t> </a:t>
+            </a:r>
+            <a:r>
+              <a:rPr lang="en-US" sz="1999" b="1" u="none" strike="noStrike" dirty="0" err="1">
+                <a:solidFill>
+                  <a:srgbClr val="FFFFFF">
+                    <a:alpha val="80000"/>
+                  </a:srgbClr>
+                </a:solidFill>
+                <a:latin typeface="Open Sans Bold"/>
+                <a:ea typeface="Open Sans Bold"/>
+                <a:cs typeface="Open Sans Bold"/>
+                <a:sym typeface="Open Sans Bold"/>
+              </a:rPr>
+              <a:t>investojnë</a:t>
+            </a:r>
+            <a:r>
+              <a:rPr lang="en-US" sz="1999" b="1" u="none" strike="noStrike" dirty="0">
+                <a:solidFill>
+                  <a:srgbClr val="FFFFFF">
+                    <a:alpha val="80000"/>
+                  </a:srgbClr>
+                </a:solidFill>
+                <a:latin typeface="Open Sans Bold"/>
+                <a:ea typeface="Open Sans Bold"/>
+                <a:cs typeface="Open Sans Bold"/>
+                <a:sym typeface="Open Sans Bold"/>
+              </a:rPr>
+              <a:t> </a:t>
+            </a:r>
+            <a:r>
+              <a:rPr lang="en-US" sz="1999" b="1" u="none" strike="noStrike" dirty="0" err="1">
+                <a:solidFill>
+                  <a:srgbClr val="FFFFFF">
+                    <a:alpha val="80000"/>
+                  </a:srgbClr>
+                </a:solidFill>
+                <a:latin typeface="Open Sans Bold"/>
+                <a:ea typeface="Open Sans Bold"/>
+                <a:cs typeface="Open Sans Bold"/>
+                <a:sym typeface="Open Sans Bold"/>
+              </a:rPr>
+              <a:t>deri</a:t>
+            </a:r>
+            <a:r>
+              <a:rPr lang="en-US" sz="1999" b="1" u="none" strike="noStrike" dirty="0">
+                <a:solidFill>
+                  <a:srgbClr val="FFFFFF">
+                    <a:alpha val="80000"/>
+                  </a:srgbClr>
+                </a:solidFill>
+                <a:latin typeface="Open Sans Bold"/>
+                <a:ea typeface="Open Sans Bold"/>
+                <a:cs typeface="Open Sans Bold"/>
+                <a:sym typeface="Open Sans Bold"/>
+              </a:rPr>
+              <a:t> </a:t>
+            </a:r>
+            <a:r>
+              <a:rPr lang="en-US" sz="1999" b="1" u="none" strike="noStrike" dirty="0" err="1">
+                <a:solidFill>
+                  <a:srgbClr val="FFFFFF">
+                    <a:alpha val="80000"/>
+                  </a:srgbClr>
+                </a:solidFill>
+                <a:latin typeface="Open Sans Bold"/>
+                <a:ea typeface="Open Sans Bold"/>
+                <a:cs typeface="Open Sans Bold"/>
+                <a:sym typeface="Open Sans Bold"/>
+              </a:rPr>
+              <a:t>në</a:t>
+            </a:r>
+            <a:r>
+              <a:rPr lang="en-US" sz="1999" b="1" u="none" strike="noStrike" dirty="0">
+                <a:solidFill>
+                  <a:srgbClr val="FFFFFF">
+                    <a:alpha val="80000"/>
+                  </a:srgbClr>
+                </a:solidFill>
+                <a:latin typeface="Open Sans Bold"/>
+                <a:ea typeface="Open Sans Bold"/>
+                <a:cs typeface="Open Sans Bold"/>
+                <a:sym typeface="Open Sans Bold"/>
+              </a:rPr>
+              <a:t> 25,000 </a:t>
+            </a:r>
+            <a:r>
+              <a:rPr lang="en-US" sz="1999" b="1" u="none" strike="noStrike" dirty="0" err="1">
+                <a:solidFill>
+                  <a:srgbClr val="FFFFFF">
+                    <a:alpha val="80000"/>
+                  </a:srgbClr>
+                </a:solidFill>
+                <a:latin typeface="Open Sans Bold"/>
+                <a:ea typeface="Open Sans Bold"/>
+                <a:cs typeface="Open Sans Bold"/>
+                <a:sym typeface="Open Sans Bold"/>
+              </a:rPr>
+              <a:t>lekë</a:t>
+            </a:r>
+            <a:r>
+              <a:rPr lang="en-US" sz="1999" b="1" u="none" strike="noStrike" dirty="0">
+                <a:solidFill>
+                  <a:srgbClr val="FFFFFF">
+                    <a:alpha val="80000"/>
+                  </a:srgbClr>
+                </a:solidFill>
+                <a:latin typeface="Open Sans Bold"/>
+                <a:ea typeface="Open Sans Bold"/>
+                <a:cs typeface="Open Sans Bold"/>
+                <a:sym typeface="Open Sans Bold"/>
+              </a:rPr>
+              <a:t> </a:t>
+            </a:r>
+            <a:r>
+              <a:rPr lang="en-US" sz="1999" b="1" u="none" strike="noStrike" dirty="0" err="1">
+                <a:solidFill>
+                  <a:srgbClr val="FFFFFF">
+                    <a:alpha val="80000"/>
+                  </a:srgbClr>
+                </a:solidFill>
+                <a:latin typeface="Open Sans Bold"/>
+                <a:ea typeface="Open Sans Bold"/>
+                <a:cs typeface="Open Sans Bold"/>
+                <a:sym typeface="Open Sans Bold"/>
+              </a:rPr>
+              <a:t>për</a:t>
+            </a:r>
+            <a:r>
+              <a:rPr lang="en-US" sz="1999" b="1" u="none" strike="noStrike" dirty="0">
+                <a:solidFill>
+                  <a:srgbClr val="FFFFFF">
+                    <a:alpha val="80000"/>
+                  </a:srgbClr>
+                </a:solidFill>
+                <a:latin typeface="Open Sans Bold"/>
+                <a:ea typeface="Open Sans Bold"/>
+                <a:cs typeface="Open Sans Bold"/>
+                <a:sym typeface="Open Sans Bold"/>
+              </a:rPr>
+              <a:t> </a:t>
+            </a:r>
+            <a:r>
+              <a:rPr lang="en-US" sz="1999" b="1" u="none" strike="noStrike" dirty="0" err="1">
+                <a:solidFill>
+                  <a:srgbClr val="FFFFFF">
+                    <a:alpha val="80000"/>
+                  </a:srgbClr>
+                </a:solidFill>
+                <a:latin typeface="Open Sans Bold"/>
+                <a:ea typeface="Open Sans Bold"/>
+                <a:cs typeface="Open Sans Bold"/>
+                <a:sym typeface="Open Sans Bold"/>
+              </a:rPr>
+              <a:t>marka</a:t>
+            </a:r>
+            <a:r>
+              <a:rPr lang="en-US" sz="1999" b="1" u="none" strike="noStrike" dirty="0">
+                <a:solidFill>
+                  <a:srgbClr val="FFFFFF">
+                    <a:alpha val="80000"/>
+                  </a:srgbClr>
+                </a:solidFill>
+                <a:latin typeface="Open Sans Bold"/>
+                <a:ea typeface="Open Sans Bold"/>
+                <a:cs typeface="Open Sans Bold"/>
+                <a:sym typeface="Open Sans Bold"/>
+              </a:rPr>
+              <a:t> </a:t>
+            </a:r>
+            <a:r>
+              <a:rPr lang="en-US" sz="1999" b="1" u="none" strike="noStrike" dirty="0" err="1">
+                <a:solidFill>
+                  <a:srgbClr val="FFFFFF">
+                    <a:alpha val="80000"/>
+                  </a:srgbClr>
+                </a:solidFill>
+                <a:latin typeface="Open Sans Bold"/>
+                <a:ea typeface="Open Sans Bold"/>
+                <a:cs typeface="Open Sans Bold"/>
+                <a:sym typeface="Open Sans Bold"/>
+              </a:rPr>
+              <a:t>cilësore</a:t>
+            </a:r>
+            <a:r>
+              <a:rPr lang="en-US" sz="1999" b="1" u="none" strike="noStrike" dirty="0">
+                <a:solidFill>
+                  <a:srgbClr val="FFFFFF">
+                    <a:alpha val="80000"/>
+                  </a:srgbClr>
+                </a:solidFill>
+                <a:latin typeface="Open Sans Bold"/>
+                <a:ea typeface="Open Sans Bold"/>
+                <a:cs typeface="Open Sans Bold"/>
+                <a:sym typeface="Open Sans Bold"/>
+              </a:rPr>
+              <a:t>.</a:t>
             </a:r>
           </a:p>
         </p:txBody>
@@ -9102,7 +9788,7 @@
             <a:blip r:embed="rId4">
               <a:extLst>
                 <a:ext uri="{96DAC541-7B7A-43D3-8B79-37D633B846F1}">
-                  <asvg:svgBlip xmlns="" xmlns:asvg="http://schemas.microsoft.com/office/drawing/2016/SVG/main" r:embed="rId5"/>
+                  <asvg:svgBlip xmlns:asvg="http://schemas.microsoft.com/office/drawing/2016/SVG/main" xmlns="" r:embed="rId5"/>
                 </a:ext>
               </a:extLst>
             </a:blip>
@@ -9534,13 +10220,13 @@
   <p:clrMapOvr>
     <a:masterClrMapping/>
   </p:clrMapOvr>
-  <mc:AlternateContent xmlns:mc="http://schemas.openxmlformats.org/markup-compatibility/2006">
-    <mc:Choice xmlns:p14="http://schemas.microsoft.com/office/powerpoint/2010/main" Requires="p14">
+  <mc:AlternateContent xmlns:mc="http://schemas.openxmlformats.org/markup-compatibility/2006" xmlns:p14="http://schemas.microsoft.com/office/powerpoint/2010/main">
+    <mc:Choice Requires="p14">
       <p:transition spd="med" p14:dur="700">
         <p:fade/>
       </p:transition>
     </mc:Choice>
-    <mc:Fallback>
+    <mc:Fallback xmlns="">
       <p:transition spd="med">
         <p:fade/>
       </p:transition>
@@ -11258,7 +11944,7 @@
             <a:blip r:embed="rId2">
               <a:extLst>
                 <a:ext uri="{96DAC541-7B7A-43D3-8B79-37D633B846F1}">
-                  <asvg:svgBlip xmlns="" xmlns:asvg="http://schemas.microsoft.com/office/drawing/2016/SVG/main" r:embed="rId3"/>
+                  <asvg:svgBlip xmlns:asvg="http://schemas.microsoft.com/office/drawing/2016/SVG/main" xmlns="" r:embed="rId3"/>
                 </a:ext>
               </a:extLst>
             </a:blip>
@@ -11600,13 +12286,13 @@
   <p:clrMapOvr>
     <a:masterClrMapping/>
   </p:clrMapOvr>
-  <mc:AlternateContent xmlns:mc="http://schemas.openxmlformats.org/markup-compatibility/2006">
-    <mc:Choice xmlns:p14="http://schemas.microsoft.com/office/powerpoint/2010/main" Requires="p14">
+  <mc:AlternateContent xmlns:mc="http://schemas.openxmlformats.org/markup-compatibility/2006" xmlns:p14="http://schemas.microsoft.com/office/powerpoint/2010/main">
+    <mc:Choice Requires="p14">
       <p:transition spd="slow" p14:dur="1500">
         <p:split orient="vert"/>
       </p:transition>
     </mc:Choice>
-    <mc:Fallback>
+    <mc:Fallback xmlns="">
       <p:transition spd="slow">
         <p:split orient="vert"/>
       </p:transition>
@@ -12302,7 +12988,7 @@
             <a:blip r:embed="rId3">
               <a:extLst>
                 <a:ext uri="{96DAC541-7B7A-43D3-8B79-37D633B846F1}">
-                  <asvg:svgBlip xmlns="" xmlns:asvg="http://schemas.microsoft.com/office/drawing/2016/SVG/main" r:embed="rId4"/>
+                  <asvg:svgBlip xmlns:asvg="http://schemas.microsoft.com/office/drawing/2016/SVG/main" xmlns="" r:embed="rId4"/>
                 </a:ext>
               </a:extLst>
             </a:blip>
